--- a/0310.pptx
+++ b/0310.pptx
@@ -108,6 +108,11 @@
       </a:defRPr>
     </a:lvl9pPr>
   </p:defaultTextStyle>
+  <p:extLst>
+    <p:ext uri="{EFAFB233-063F-42B5-8137-9DF3F51BA10A}">
+      <p15:sldGuideLst xmlns:p15="http://schemas.microsoft.com/office/powerpoint/2012/main"/>
+    </p:ext>
+  </p:extLst>
 </p:presentation>
 </file>
 
@@ -3642,53 +3647,14 @@
         <p:spPr/>
         <p:txBody>
           <a:bodyPr>
-            <a:normAutofit lnSpcReduction="10000"/>
+            <a:normAutofit/>
           </a:bodyPr>
           <a:lstStyle/>
           <a:p>
             <a:pPr fontAlgn="base"/>
             <a:r>
               <a:rPr lang="zh-TW" altLang="en-US" dirty="0"/>
-              <a:t>剛成立不久的鑑智實相，即成立台灣少見的數位安全鑑識實驗室，可提供數位鑑識案件支援、資安相關服務等等。</a:t>
-            </a:r>
-          </a:p>
-          <a:p>
-            <a:pPr fontAlgn="base"/>
-            <a:r>
-              <a:rPr lang="zh-TW" altLang="en-US" dirty="0"/>
-              <a:t>數位安全鑑識實驗室部分，提供鑑識工具操作技術諮詢支援、進階分析或資料還原技術支援、現場蒐證支援、數位鑑識案件分析及出具鑑識報告、法院訴訟支援等。至於資安相關服務部分，有</a:t>
-            </a:r>
-            <a:r>
-              <a:rPr lang="en-US" altLang="zh-TW" dirty="0"/>
-              <a:t>ISO/IEC15408</a:t>
-            </a:r>
-            <a:r>
-              <a:rPr lang="zh-TW" altLang="en-US" dirty="0"/>
-              <a:t>測試、資安健診、弱點掃描、滲透測試、</a:t>
-            </a:r>
-            <a:r>
-              <a:rPr lang="en-US" altLang="zh-TW" dirty="0" err="1"/>
-              <a:t>loT</a:t>
-            </a:r>
-            <a:r>
-              <a:rPr lang="zh-TW" altLang="en-US" dirty="0"/>
-              <a:t>測試，以及引進國際認證之與執行，並與國際鑑識機構結盟等等。其中數位鑑識服務部分，包含事件</a:t>
-            </a:r>
-            <a:r>
-              <a:rPr lang="en-US" altLang="zh-TW" dirty="0"/>
-              <a:t>/</a:t>
-            </a:r>
-            <a:r>
-              <a:rPr lang="zh-TW" altLang="en-US" dirty="0"/>
-              <a:t>過程</a:t>
-            </a:r>
-            <a:r>
-              <a:rPr lang="en-US" altLang="zh-TW" dirty="0"/>
-              <a:t>/</a:t>
-            </a:r>
-            <a:r>
-              <a:rPr lang="zh-TW" altLang="en-US" dirty="0"/>
-              <a:t>紀錄的證據取得與判讀服務等，而在合規驗測部分，則進行合規安全評測服務，並建立品牌。至於在攻防評估部分，則提供非合規之攻防、安全驗測與評估，建立專業頂層位階。</a:t>
+              <a:t>數位安全鑑識實驗室，提供鑑識工具操作技術諮詢支援、進階分析或資料還原技術支援、現場蒐證支援、數位鑑識案件分析及出具鑑識報告、法院訴訟支援等。</a:t>
             </a:r>
           </a:p>
           <a:p>
@@ -3827,76 +3793,7 @@
                 <a:latin typeface="+mj-ea"/>
                 <a:ea typeface="+mj-ea"/>
               </a:rPr>
-              <a:t>施耐德電機致力提供能源與自動化數位解決方案，以達到效率與永續性。長久以來，該公司將領先世界的能源技術、即時自動化、軟體和服務結合，成為適用於住宅、建物、資料中心、基礎架構與產業的整合式解決方案，讓流程與能源安全可靠，高效永續，開放且互聯互通。致力引領後能源管理與自動化領域之數位轉型的施耐德電機，</a:t>
-            </a:r>
-            <a:r>
-              <a:rPr lang="en-US" altLang="zh-TW" dirty="0">
-                <a:latin typeface="+mj-ea"/>
-                <a:ea typeface="+mj-ea"/>
-              </a:rPr>
-              <a:t>2019</a:t>
-            </a:r>
-            <a:r>
-              <a:rPr lang="zh-TW" altLang="en-US" dirty="0">
-                <a:latin typeface="+mj-ea"/>
-                <a:ea typeface="+mj-ea"/>
-              </a:rPr>
-              <a:t>年營運成績相當亮眼，整體營收達到</a:t>
-            </a:r>
-            <a:r>
-              <a:rPr lang="en-US" altLang="zh-TW" dirty="0">
-                <a:latin typeface="+mj-ea"/>
-                <a:ea typeface="+mj-ea"/>
-              </a:rPr>
-              <a:t>272</a:t>
-            </a:r>
-            <a:r>
-              <a:rPr lang="zh-TW" altLang="en-US" dirty="0">
-                <a:latin typeface="+mj-ea"/>
-                <a:ea typeface="+mj-ea"/>
-              </a:rPr>
-              <a:t>億歐元，有高達</a:t>
-            </a:r>
-            <a:r>
-              <a:rPr lang="en-US" altLang="zh-TW" dirty="0">
-                <a:latin typeface="+mj-ea"/>
-                <a:ea typeface="+mj-ea"/>
-              </a:rPr>
-              <a:t>41%</a:t>
-            </a:r>
-            <a:r>
-              <a:rPr lang="zh-TW" altLang="en-US" dirty="0">
-                <a:latin typeface="+mj-ea"/>
-                <a:ea typeface="+mj-ea"/>
-              </a:rPr>
-              <a:t>營收來自於新經濟，且有高達</a:t>
-            </a:r>
-            <a:r>
-              <a:rPr lang="en-US" altLang="zh-TW" dirty="0">
-                <a:latin typeface="+mj-ea"/>
-                <a:ea typeface="+mj-ea"/>
-              </a:rPr>
-              <a:t>5%</a:t>
-            </a:r>
-            <a:r>
-              <a:rPr lang="zh-TW" altLang="en-US" dirty="0">
-                <a:latin typeface="+mj-ea"/>
-                <a:ea typeface="+mj-ea"/>
-              </a:rPr>
-              <a:t>營收投資在研發上，所以才能維持在產業中的地位。 </a:t>
-            </a:r>
-            <a:endParaRPr lang="en-US" altLang="zh-TW" dirty="0">
-              <a:latin typeface="+mj-ea"/>
-              <a:ea typeface="+mj-ea"/>
-            </a:endParaRPr>
-          </a:p>
-          <a:p>
-            <a:r>
-              <a:rPr lang="zh-TW" altLang="en-US" dirty="0">
-                <a:latin typeface="+mj-ea"/>
-                <a:ea typeface="+mj-ea"/>
-              </a:rPr>
-              <a:t>對於智慧製造著墨極深的施耐德電機認為，透過整體設備效率</a:t>
+              <a:t>施耐德電機致力提供能源與自動化數位解決方案，以達到效率與永續性。對於智慧製造著墨極深的施耐德電機認為，透過整體設備效率</a:t>
             </a:r>
             <a:r>
               <a:rPr lang="en-US" altLang="zh-TW" dirty="0">
@@ -4062,13 +3959,13 @@
         <p:spPr/>
         <p:txBody>
           <a:bodyPr>
-            <a:normAutofit fontScale="92500" lnSpcReduction="10000"/>
+            <a:normAutofit/>
           </a:bodyPr>
           <a:lstStyle/>
           <a:p>
             <a:r>
               <a:rPr lang="zh-TW" altLang="en-US" dirty="0"/>
-              <a:t>考量到現今市場競爭激烈，機械製造商必須能夠改善機器連結性、具備即時操作預警的解決方案，以最佳化機械的運作效率，藉此發展維護服務等新商機。而在機械業者提供機械操作人員前述種種好處時，也要能確保機械在使用上與資料管理上的安全性，才能避免成為駭客鎖定的目標。施耐德電機推出</a:t>
+              <a:t>施耐德電機推出</a:t>
             </a:r>
             <a:r>
               <a:rPr lang="en-US" altLang="zh-TW" dirty="0" err="1"/>
@@ -4082,9 +3979,6 @@
               <a:rPr lang="zh-TW" altLang="en-US" dirty="0"/>
               <a:t>機械雲，可將寶貴數據轉化為深具洞察力的關鍵分析，帶動機械製造商的績效及成長。</a:t>
             </a:r>
-            <a:endParaRPr lang="en-US" altLang="zh-TW" dirty="0"/>
-          </a:p>
-          <a:p>
             <a:r>
               <a:rPr lang="en-US" altLang="zh-TW" dirty="0" err="1"/>
               <a:t>EcoStruxure</a:t>
@@ -4095,7 +3989,7 @@
             </a:r>
             <a:r>
               <a:rPr lang="zh-TW" altLang="en-US" dirty="0"/>
-              <a:t>機械雲提供追蹤、監控、修正等三大功能，其中在追蹤部分，可協助機械製造商將所有機器的位置視覺化，並即時存取檔案和歷史記錄，例如：物料清單、手冊、維修日誌和任務管理計劃。</a:t>
+              <a:t>機械雲提供追蹤、監控、修正等三大功能。</a:t>
             </a:r>
             <a:br>
               <a:rPr lang="zh-TW" altLang="en-US" dirty="0"/>
